--- a/Level B/B4/B4 разбор.pptx
+++ b/Level B/B4/B4 разбор.pptx
@@ -1419,7 +1419,7 @@
           <a:p>
             <a:fld id="{923A50A4-B68D-486C-AEB1-3FB3DFD6165B}" type="datetimeFigureOut">
               <a:rPr lang="ru-RU" smtClean="0"/>
-              <a:t>14.05.2020</a:t>
+              <a:t>16.05.2020</a:t>
             </a:fld>
             <a:endParaRPr lang="ru-RU"/>
           </a:p>
@@ -2827,7 +2827,7 @@
           <a:p>
             <a:fld id="{EA0C0817-A112-4847-8014-A94B7D2A4EA3}" type="datetime1">
               <a:rPr lang="en-US" smtClean="0"/>
-              <a:t>5/14/2020</a:t>
+              <a:t>5/16/2020</a:t>
             </a:fld>
             <a:endParaRPr lang="en-US" dirty="0"/>
           </a:p>
@@ -3029,7 +3029,7 @@
           <a:p>
             <a:fld id="{134F40B7-36AB-4376-BE14-EF7004D79BB9}" type="datetime1">
               <a:rPr lang="en-US" smtClean="0"/>
-              <a:t>5/14/2020</a:t>
+              <a:t>5/16/2020</a:t>
             </a:fld>
             <a:endParaRPr lang="en-US"/>
           </a:p>
@@ -3209,7 +3209,7 @@
           <a:p>
             <a:fld id="{FF87CAB8-DCAE-46A5-AADA-B3FAD11A54E0}" type="datetime1">
               <a:rPr lang="en-US" smtClean="0"/>
-              <a:t>5/14/2020</a:t>
+              <a:t>5/16/2020</a:t>
             </a:fld>
             <a:endParaRPr lang="en-US"/>
           </a:p>
@@ -3379,7 +3379,7 @@
           <a:p>
             <a:fld id="{7332B432-ACDA-4023-A761-2BAB76577B62}" type="datetime1">
               <a:rPr lang="en-US" smtClean="0"/>
-              <a:t>5/14/2020</a:t>
+              <a:t>5/16/2020</a:t>
             </a:fld>
             <a:endParaRPr lang="en-US"/>
           </a:p>
@@ -3978,7 +3978,7 @@
           <a:p>
             <a:fld id="{D9C646AA-F36E-4540-911D-FFFC0A0EF24A}" type="datetime1">
               <a:rPr lang="en-US" smtClean="0"/>
-              <a:t>5/14/2020</a:t>
+              <a:t>5/16/2020</a:t>
             </a:fld>
             <a:endParaRPr lang="en-US" dirty="0"/>
           </a:p>
@@ -4298,7 +4298,7 @@
           <a:p>
             <a:fld id="{69186D26-FA5F-4637-B602-B7C2DC34CFD4}" type="datetime1">
               <a:rPr lang="en-US" smtClean="0"/>
-              <a:t>5/14/2020</a:t>
+              <a:t>5/16/2020</a:t>
             </a:fld>
             <a:endParaRPr lang="en-US"/>
           </a:p>
@@ -4733,7 +4733,7 @@
           <a:p>
             <a:fld id="{8A7F15D8-96D1-4781-BC50-CA8A088B2FE4}" type="datetime1">
               <a:rPr lang="en-US" smtClean="0"/>
-              <a:t>5/14/2020</a:t>
+              <a:t>5/16/2020</a:t>
             </a:fld>
             <a:endParaRPr lang="en-US"/>
           </a:p>
@@ -4851,7 +4851,7 @@
           <a:p>
             <a:fld id="{F9A96C99-B8F8-4528-BD05-0E16E943DC09}" type="datetime1">
               <a:rPr lang="en-US" smtClean="0"/>
-              <a:t>5/14/2020</a:t>
+              <a:t>5/16/2020</a:t>
             </a:fld>
             <a:endParaRPr lang="en-US"/>
           </a:p>
@@ -4946,7 +4946,7 @@
           <a:p>
             <a:fld id="{03636942-C211-4B28-8DBD-C953E00AF71B}" type="datetime1">
               <a:rPr lang="en-US" smtClean="0"/>
-              <a:t>5/14/2020</a:t>
+              <a:t>5/16/2020</a:t>
             </a:fld>
             <a:endParaRPr lang="en-US"/>
           </a:p>
@@ -5363,7 +5363,7 @@
           <a:p>
             <a:fld id="{7E8D12A6-918A-48BD-8CB9-CA713993B0EA}" type="datetime1">
               <a:rPr lang="en-US" smtClean="0"/>
-              <a:t>5/14/2020</a:t>
+              <a:t>5/16/2020</a:t>
             </a:fld>
             <a:endParaRPr lang="en-US"/>
           </a:p>
@@ -5625,7 +5625,7 @@
             <a:fld id="{E778CE86-875F-4587-BCF6-FA054AFC0D53}" type="datetime1">
               <a:rPr lang="en-US" smtClean="0"/>
               <a:pPr/>
-              <a:t>5/14/2020</a:t>
+              <a:t>5/16/2020</a:t>
             </a:fld>
             <a:endParaRPr lang="en-US" dirty="0"/>
           </a:p>
@@ -6141,7 +6141,7 @@
           <a:p>
             <a:fld id="{F6FA2B21-3FCD-4721-B95C-427943F61125}" type="datetime1">
               <a:rPr lang="en-US" smtClean="0"/>
-              <a:t>5/14/2020</a:t>
+              <a:t>5/16/2020</a:t>
             </a:fld>
             <a:endParaRPr lang="en-US"/>
           </a:p>
@@ -10747,7 +10747,7 @@
             <p:spPr>
               <a:xfrm>
                 <a:off x="1066799" y="2103120"/>
-                <a:ext cx="10495281" cy="3616960"/>
+                <a:ext cx="10058401" cy="3616960"/>
               </a:xfrm>
             </p:spPr>
             <p:txBody>
@@ -10770,29 +10770,7 @@
                 </a:pPr>
                 <a:r>
                   <a:rPr lang="ru-RU" sz="1800" dirty="0"/>
-                  <a:t>Например, из (1</a:t>
-                </a:r>
-                <a:r>
-                  <a:rPr lang="en-US" sz="1800" dirty="0"/>
-                  <a:t>, 1, 1, 0, 1, 0, 1, 1)</a:t>
-                </a:r>
-                <a:r>
-                  <a:rPr lang="ru-RU" sz="1800" dirty="0"/>
-                  <a:t> получим три ПП</a:t>
-                </a:r>
-                <a:r>
-                  <a:rPr lang="en-US" sz="1800" dirty="0"/>
-                  <a:t>: (1, 1, 1), (1), (1, 1).</a:t>
-                </a:r>
-                <a:endParaRPr lang="ru-RU" sz="1800" dirty="0"/>
-              </a:p>
-              <a:p>
-                <a:pPr marL="0" indent="0">
-                  <a:buNone/>
-                </a:pPr>
-                <a:r>
-                  <a:rPr lang="ru-RU" sz="1800" dirty="0"/>
-                  <a:t>Покажем, что обратное будет неверно. Предположим, что мы имеем две ПП с длинами </a:t>
+                  <a:t>Покажем это. Предположим, что мы имеем две ПП с длинами </a:t>
                 </a:r>
                 <a:r>
                   <a:rPr lang="en-US" sz="1800" b="1" dirty="0"/>
@@ -10848,7 +10826,16 @@
                 </a:r>
                 <a:r>
                   <a:rPr lang="ru-RU" sz="1800" dirty="0"/>
-                  <a:t>операций. Предположим, что ответ для последовательности длины </a:t>
+                  <a:t>операций. </a:t>
+                </a:r>
+              </a:p>
+              <a:p>
+                <a:pPr marL="0" indent="0">
+                  <a:buNone/>
+                </a:pPr>
+                <a:r>
+                  <a:rPr lang="ru-RU" sz="1800" dirty="0"/>
+                  <a:t>Предположим, что ответ для последовательности длины </a:t>
                 </a:r>
                 <a:r>
                   <a:rPr lang="en-US" sz="1800" b="1" dirty="0"/>
@@ -10877,7 +10864,7 @@
                     <m:d>
                       <m:dPr>
                         <m:ctrlPr>
-                          <a:rPr lang="en-US" sz="1800" b="1" i="0" dirty="0" smtClean="0">
+                          <a:rPr lang="en-US" sz="1800" b="1" i="1" dirty="0" smtClean="0">
                             <a:latin typeface="Cambria Math" panose="02040503050406030204" pitchFamily="18" charset="0"/>
                           </a:rPr>
                         </m:ctrlPr>
@@ -11029,7 +11016,36 @@
                   <a:rPr lang="ru-RU" sz="1800" dirty="0"/>
                   <a:t>это условие не выполняется. То есть оптимальное решение было выбрано верно.</a:t>
                 </a:r>
-                <a:endParaRPr lang="en-US" sz="1800" b="1" dirty="0"/>
+              </a:p>
+              <a:p>
+                <a:pPr marL="0" indent="0">
+                  <a:buNone/>
+                </a:pPr>
+                <a:r>
+                  <a:rPr lang="ru-RU" sz="1800" dirty="0"/>
+                  <a:t>Пример</a:t>
+                </a:r>
+                <a:r>
+                  <a:rPr lang="en-US" sz="1800" dirty="0"/>
+                  <a:t>:</a:t>
+                </a:r>
+                <a:r>
+                  <a:rPr lang="ru-RU" sz="1800" dirty="0"/>
+                  <a:t> из (1</a:t>
+                </a:r>
+                <a:r>
+                  <a:rPr lang="en-US" sz="1800" dirty="0"/>
+                  <a:t>, 1, 1, 0, 1, 0, 1, 1)</a:t>
+                </a:r>
+                <a:r>
+                  <a:rPr lang="ru-RU" sz="1800" dirty="0"/>
+                  <a:t> получим три ПП</a:t>
+                </a:r>
+                <a:r>
+                  <a:rPr lang="en-US" sz="1800" dirty="0"/>
+                  <a:t>: (1, 1, 1), (1), (1, 1).</a:t>
+                </a:r>
+                <a:endParaRPr lang="ru-RU" sz="1800" dirty="0"/>
               </a:p>
             </p:txBody>
           </p:sp>
@@ -11054,12 +11070,12 @@
             <p:spPr>
               <a:xfrm>
                 <a:off x="1066799" y="2103120"/>
-                <a:ext cx="10495281" cy="3616960"/>
+                <a:ext cx="10058401" cy="3616960"/>
               </a:xfrm>
               <a:blipFill>
                 <a:blip r:embed="rId3"/>
                 <a:stretch>
-                  <a:fillRect l="-465"/>
+                  <a:fillRect l="-485" r="-121"/>
                 </a:stretch>
               </a:blipFill>
             </p:spPr>
@@ -11136,8 +11152,8 @@
           </a:p>
         </p:txBody>
       </p:sp>
-      <mc:AlternateContent xmlns:mc="http://schemas.openxmlformats.org/markup-compatibility/2006">
-        <mc:Choice xmlns:a14="http://schemas.microsoft.com/office/drawing/2010/main" Requires="a14">
+      <mc:AlternateContent xmlns:mc="http://schemas.openxmlformats.org/markup-compatibility/2006" xmlns:a14="http://schemas.microsoft.com/office/drawing/2010/main">
+        <mc:Choice Requires="a14">
           <p:sp>
             <p:nvSpPr>
               <p:cNvPr id="3" name="Объект 2">
@@ -11390,7 +11406,7 @@
             </p:txBody>
           </p:sp>
         </mc:Choice>
-        <mc:Fallback>
+        <mc:Fallback xmlns="">
           <p:sp>
             <p:nvSpPr>
               <p:cNvPr id="3" name="Объект 2">
@@ -11875,7 +11891,7 @@
                 </a:r>
                 <a:r>
                   <a:rPr lang="ru-RU" sz="1800" dirty="0"/>
-                  <a:t> длины подпоследовательностей, состоящих только из единиц</a:t>
+                  <a:t> длины подпоследовательностей, состоящих только из единиц (только из нечётных чисел)</a:t>
                 </a:r>
                 <a:r>
                   <a:rPr lang="en-US" sz="1800" dirty="0"/>
